--- a/hologram-ring-resonators.pptx
+++ b/hologram-ring-resonators.pptx
@@ -11,7 +11,9 @@
     <p:sldId id="270" r:id="rId5"/>
     <p:sldId id="269" r:id="rId6"/>
     <p:sldId id="271" r:id="rId7"/>
-    <p:sldId id="272" r:id="rId8"/>
+    <p:sldId id="273" r:id="rId8"/>
+    <p:sldId id="275" r:id="rId9"/>
+    <p:sldId id="272" r:id="rId10"/>
   </p:sldIdLst>
   <p:sldSz cx="12192000" cy="6858000"/>
   <p:notesSz cx="6858000" cy="9144000"/>
@@ -110,6 +112,11 @@
       </a:defRPr>
     </a:lvl9pPr>
   </p:defaultTextStyle>
+  <p:extLst>
+    <p:ext uri="{EFAFB233-063F-42B5-8137-9DF3F51BA10A}">
+      <p15:sldGuideLst xmlns:p15="http://schemas.microsoft.com/office/powerpoint/2012/main"/>
+    </p:ext>
+  </p:extLst>
 </p:presentation>
 </file>
 
@@ -260,7 +267,7 @@
           <a:p>
             <a:fld id="{F67D6E03-BDC8-4691-A754-D0C90F1E48F0}" type="datetimeFigureOut">
               <a:rPr lang="en-US" smtClean="0"/>
-              <a:t>6/7/2020</a:t>
+              <a:t>6/9/2020</a:t>
             </a:fld>
             <a:endParaRPr lang="en-US"/>
           </a:p>
@@ -458,7 +465,7 @@
           <a:p>
             <a:fld id="{F67D6E03-BDC8-4691-A754-D0C90F1E48F0}" type="datetimeFigureOut">
               <a:rPr lang="en-US" smtClean="0"/>
-              <a:t>6/7/2020</a:t>
+              <a:t>6/9/2020</a:t>
             </a:fld>
             <a:endParaRPr lang="en-US"/>
           </a:p>
@@ -666,7 +673,7 @@
           <a:p>
             <a:fld id="{F67D6E03-BDC8-4691-A754-D0C90F1E48F0}" type="datetimeFigureOut">
               <a:rPr lang="en-US" smtClean="0"/>
-              <a:t>6/7/2020</a:t>
+              <a:t>6/9/2020</a:t>
             </a:fld>
             <a:endParaRPr lang="en-US"/>
           </a:p>
@@ -864,7 +871,7 @@
           <a:p>
             <a:fld id="{F67D6E03-BDC8-4691-A754-D0C90F1E48F0}" type="datetimeFigureOut">
               <a:rPr lang="en-US" smtClean="0"/>
-              <a:t>6/7/2020</a:t>
+              <a:t>6/9/2020</a:t>
             </a:fld>
             <a:endParaRPr lang="en-US"/>
           </a:p>
@@ -1139,7 +1146,7 @@
           <a:p>
             <a:fld id="{F67D6E03-BDC8-4691-A754-D0C90F1E48F0}" type="datetimeFigureOut">
               <a:rPr lang="en-US" smtClean="0"/>
-              <a:t>6/7/2020</a:t>
+              <a:t>6/9/2020</a:t>
             </a:fld>
             <a:endParaRPr lang="en-US"/>
           </a:p>
@@ -1404,7 +1411,7 @@
           <a:p>
             <a:fld id="{F67D6E03-BDC8-4691-A754-D0C90F1E48F0}" type="datetimeFigureOut">
               <a:rPr lang="en-US" smtClean="0"/>
-              <a:t>6/7/2020</a:t>
+              <a:t>6/9/2020</a:t>
             </a:fld>
             <a:endParaRPr lang="en-US"/>
           </a:p>
@@ -1816,7 +1823,7 @@
           <a:p>
             <a:fld id="{F67D6E03-BDC8-4691-A754-D0C90F1E48F0}" type="datetimeFigureOut">
               <a:rPr lang="en-US" smtClean="0"/>
-              <a:t>6/7/2020</a:t>
+              <a:t>6/9/2020</a:t>
             </a:fld>
             <a:endParaRPr lang="en-US"/>
           </a:p>
@@ -1957,7 +1964,7 @@
           <a:p>
             <a:fld id="{F67D6E03-BDC8-4691-A754-D0C90F1E48F0}" type="datetimeFigureOut">
               <a:rPr lang="en-US" smtClean="0"/>
-              <a:t>6/7/2020</a:t>
+              <a:t>6/9/2020</a:t>
             </a:fld>
             <a:endParaRPr lang="en-US"/>
           </a:p>
@@ -2070,7 +2077,7 @@
           <a:p>
             <a:fld id="{F67D6E03-BDC8-4691-A754-D0C90F1E48F0}" type="datetimeFigureOut">
               <a:rPr lang="en-US" smtClean="0"/>
-              <a:t>6/7/2020</a:t>
+              <a:t>6/9/2020</a:t>
             </a:fld>
             <a:endParaRPr lang="en-US"/>
           </a:p>
@@ -2381,7 +2388,7 @@
           <a:p>
             <a:fld id="{F67D6E03-BDC8-4691-A754-D0C90F1E48F0}" type="datetimeFigureOut">
               <a:rPr lang="en-US" smtClean="0"/>
-              <a:t>6/7/2020</a:t>
+              <a:t>6/9/2020</a:t>
             </a:fld>
             <a:endParaRPr lang="en-US"/>
           </a:p>
@@ -2669,7 +2676,7 @@
           <a:p>
             <a:fld id="{F67D6E03-BDC8-4691-A754-D0C90F1E48F0}" type="datetimeFigureOut">
               <a:rPr lang="en-US" smtClean="0"/>
-              <a:t>6/7/2020</a:t>
+              <a:t>6/9/2020</a:t>
             </a:fld>
             <a:endParaRPr lang="en-US"/>
           </a:p>
@@ -2910,7 +2917,7 @@
           <a:p>
             <a:fld id="{F67D6E03-BDC8-4691-A754-D0C90F1E48F0}" type="datetimeFigureOut">
               <a:rPr lang="en-US" smtClean="0"/>
-              <a:t>6/7/2020</a:t>
+              <a:t>6/9/2020</a:t>
             </a:fld>
             <a:endParaRPr lang="en-US"/>
           </a:p>
@@ -8692,8 +8699,8 @@
           </a:prstGeom>
         </p:spPr>
       </p:pic>
-      <mc:AlternateContent xmlns:mc="http://schemas.openxmlformats.org/markup-compatibility/2006">
-        <mc:Choice xmlns:a14="http://schemas.microsoft.com/office/drawing/2010/main" Requires="a14">
+      <mc:AlternateContent xmlns:mc="http://schemas.openxmlformats.org/markup-compatibility/2006" xmlns:a14="http://schemas.microsoft.com/office/drawing/2010/main">
+        <mc:Choice Requires="a14">
           <p:sp>
             <p:nvSpPr>
               <p:cNvPr id="7" name="TextBox 6">
@@ -8813,7 +8820,7 @@
             </p:txBody>
           </p:sp>
         </mc:Choice>
-        <mc:Fallback>
+        <mc:Fallback xmlns="">
           <p:sp>
             <p:nvSpPr>
               <p:cNvPr id="7" name="TextBox 6">
@@ -9030,6 +9037,646 @@
 </file>
 
 <file path=ppt/slides/slide7.xml><?xml version="1.0" encoding="utf-8"?>
+<p:sld xmlns:a="http://schemas.openxmlformats.org/drawingml/2006/main" xmlns:r="http://schemas.openxmlformats.org/officeDocument/2006/relationships" xmlns:p="http://schemas.openxmlformats.org/presentationml/2006/main">
+  <p:cSld>
+    <p:spTree>
+      <p:nvGrpSpPr>
+        <p:cNvPr id="1" name=""/>
+        <p:cNvGrpSpPr/>
+        <p:nvPr/>
+      </p:nvGrpSpPr>
+      <p:grpSpPr>
+        <a:xfrm>
+          <a:off x="0" y="0"/>
+          <a:ext cx="0" cy="0"/>
+          <a:chOff x="0" y="0"/>
+          <a:chExt cx="0" cy="0"/>
+        </a:xfrm>
+      </p:grpSpPr>
+      <p:pic>
+        <p:nvPicPr>
+          <p:cNvPr id="4" name="Picture 3">
+            <a:extLst>
+              <a:ext uri="{FF2B5EF4-FFF2-40B4-BE49-F238E27FC236}">
+                <a16:creationId xmlns:a16="http://schemas.microsoft.com/office/drawing/2014/main" id="{AE6AE97E-1355-44EC-BD39-6AF5A0DBAB22}"/>
+              </a:ext>
+            </a:extLst>
+          </p:cNvPr>
+          <p:cNvPicPr>
+            <a:picLocks noChangeAspect="1"/>
+          </p:cNvPicPr>
+          <p:nvPr/>
+        </p:nvPicPr>
+        <p:blipFill>
+          <a:blip r:embed="rId2"/>
+          <a:stretch>
+            <a:fillRect/>
+          </a:stretch>
+        </p:blipFill>
+        <p:spPr>
+          <a:xfrm>
+            <a:off x="5118615" y="2093461"/>
+            <a:ext cx="2818650" cy="2425000"/>
+          </a:xfrm>
+          <a:prstGeom prst="rect">
+            <a:avLst/>
+          </a:prstGeom>
+        </p:spPr>
+      </p:pic>
+      <p:pic>
+        <p:nvPicPr>
+          <p:cNvPr id="5" name="Picture 4">
+            <a:extLst>
+              <a:ext uri="{FF2B5EF4-FFF2-40B4-BE49-F238E27FC236}">
+                <a16:creationId xmlns:a16="http://schemas.microsoft.com/office/drawing/2014/main" id="{A80F3B58-42A4-489D-B4DA-C0738E35A137}"/>
+              </a:ext>
+            </a:extLst>
+          </p:cNvPr>
+          <p:cNvPicPr>
+            <a:picLocks noChangeAspect="1"/>
+          </p:cNvPicPr>
+          <p:nvPr/>
+        </p:nvPicPr>
+        <p:blipFill>
+          <a:blip r:embed="rId3"/>
+          <a:stretch>
+            <a:fillRect/>
+          </a:stretch>
+        </p:blipFill>
+        <p:spPr>
+          <a:xfrm>
+            <a:off x="425067" y="2093461"/>
+            <a:ext cx="2818650" cy="2425000"/>
+          </a:xfrm>
+          <a:prstGeom prst="rect">
+            <a:avLst/>
+          </a:prstGeom>
+        </p:spPr>
+      </p:pic>
+      <p:pic>
+        <p:nvPicPr>
+          <p:cNvPr id="6" name="Picture 5">
+            <a:extLst>
+              <a:ext uri="{FF2B5EF4-FFF2-40B4-BE49-F238E27FC236}">
+                <a16:creationId xmlns:a16="http://schemas.microsoft.com/office/drawing/2014/main" id="{1439F0D6-6E66-40AF-B9E4-0CD62FE9F55F}"/>
+              </a:ext>
+            </a:extLst>
+          </p:cNvPr>
+          <p:cNvPicPr>
+            <a:picLocks noChangeAspect="1"/>
+          </p:cNvPicPr>
+          <p:nvPr/>
+        </p:nvPicPr>
+        <p:blipFill>
+          <a:blip r:embed="rId4"/>
+          <a:stretch>
+            <a:fillRect/>
+          </a:stretch>
+        </p:blipFill>
+        <p:spPr>
+          <a:xfrm>
+            <a:off x="9482195" y="2093461"/>
+            <a:ext cx="2818650" cy="2425000"/>
+          </a:xfrm>
+          <a:prstGeom prst="rect">
+            <a:avLst/>
+          </a:prstGeom>
+        </p:spPr>
+      </p:pic>
+      <p:sp>
+        <p:nvSpPr>
+          <p:cNvPr id="7" name="Arrow: Right 6">
+            <a:extLst>
+              <a:ext uri="{FF2B5EF4-FFF2-40B4-BE49-F238E27FC236}">
+                <a16:creationId xmlns:a16="http://schemas.microsoft.com/office/drawing/2014/main" id="{3B2604A0-DE76-4B8F-B5B2-D7346FEF3DCC}"/>
+              </a:ext>
+            </a:extLst>
+          </p:cNvPr>
+          <p:cNvSpPr/>
+          <p:nvPr/>
+        </p:nvSpPr>
+        <p:spPr>
+          <a:xfrm>
+            <a:off x="3474720" y="3037840"/>
+            <a:ext cx="1313927" cy="467360"/>
+          </a:xfrm>
+          <a:prstGeom prst="rightArrow">
+            <a:avLst/>
+          </a:prstGeom>
+        </p:spPr>
+        <p:style>
+          <a:lnRef idx="2">
+            <a:schemeClr val="accent1">
+              <a:shade val="50000"/>
+            </a:schemeClr>
+          </a:lnRef>
+          <a:fillRef idx="1">
+            <a:schemeClr val="accent1"/>
+          </a:fillRef>
+          <a:effectRef idx="0">
+            <a:schemeClr val="accent1"/>
+          </a:effectRef>
+          <a:fontRef idx="minor">
+            <a:schemeClr val="lt1"/>
+          </a:fontRef>
+        </p:style>
+        <p:txBody>
+          <a:bodyPr rtlCol="0" anchor="ctr"/>
+          <a:lstStyle/>
+          <a:p>
+            <a:pPr algn="ctr"/>
+            <a:endParaRPr lang="en-US"/>
+          </a:p>
+        </p:txBody>
+      </p:sp>
+      <p:sp>
+        <p:nvSpPr>
+          <p:cNvPr id="8" name="Arrow: Right 7">
+            <a:extLst>
+              <a:ext uri="{FF2B5EF4-FFF2-40B4-BE49-F238E27FC236}">
+                <a16:creationId xmlns:a16="http://schemas.microsoft.com/office/drawing/2014/main" id="{2583EE5D-94DC-4116-AFE4-4D89085C98AD}"/>
+              </a:ext>
+            </a:extLst>
+          </p:cNvPr>
+          <p:cNvSpPr/>
+          <p:nvPr/>
+        </p:nvSpPr>
+        <p:spPr>
+          <a:xfrm>
+            <a:off x="7937265" y="3037840"/>
+            <a:ext cx="1313927" cy="467360"/>
+          </a:xfrm>
+          <a:prstGeom prst="rightArrow">
+            <a:avLst/>
+          </a:prstGeom>
+        </p:spPr>
+        <p:style>
+          <a:lnRef idx="2">
+            <a:schemeClr val="accent1">
+              <a:shade val="50000"/>
+            </a:schemeClr>
+          </a:lnRef>
+          <a:fillRef idx="1">
+            <a:schemeClr val="accent1"/>
+          </a:fillRef>
+          <a:effectRef idx="0">
+            <a:schemeClr val="accent1"/>
+          </a:effectRef>
+          <a:fontRef idx="minor">
+            <a:schemeClr val="lt1"/>
+          </a:fontRef>
+        </p:style>
+        <p:txBody>
+          <a:bodyPr rtlCol="0" anchor="ctr"/>
+          <a:lstStyle/>
+          <a:p>
+            <a:pPr algn="ctr"/>
+            <a:endParaRPr lang="en-US"/>
+          </a:p>
+        </p:txBody>
+      </p:sp>
+      <p:sp>
+        <p:nvSpPr>
+          <p:cNvPr id="9" name="TextBox 8">
+            <a:extLst>
+              <a:ext uri="{FF2B5EF4-FFF2-40B4-BE49-F238E27FC236}">
+                <a16:creationId xmlns:a16="http://schemas.microsoft.com/office/drawing/2014/main" id="{95D4D7E5-5A93-46F5-84F5-6D6AA75BAB60}"/>
+              </a:ext>
+            </a:extLst>
+          </p:cNvPr>
+          <p:cNvSpPr txBox="1"/>
+          <p:nvPr/>
+        </p:nvSpPr>
+        <p:spPr>
+          <a:xfrm>
+            <a:off x="3351137" y="2668508"/>
+            <a:ext cx="1660058" cy="369332"/>
+          </a:xfrm>
+          <a:prstGeom prst="rect">
+            <a:avLst/>
+          </a:prstGeom>
+          <a:noFill/>
+        </p:spPr>
+        <p:txBody>
+          <a:bodyPr wrap="square" rtlCol="0">
+            <a:spAutoFit/>
+          </a:bodyPr>
+          <a:lstStyle/>
+          <a:p>
+            <a:r>
+              <a:rPr lang="en-US" dirty="0"/>
+              <a:t>Inverse design</a:t>
+            </a:r>
+          </a:p>
+        </p:txBody>
+      </p:sp>
+      <p:sp>
+        <p:nvSpPr>
+          <p:cNvPr id="10" name="TextBox 9">
+            <a:extLst>
+              <a:ext uri="{FF2B5EF4-FFF2-40B4-BE49-F238E27FC236}">
+                <a16:creationId xmlns:a16="http://schemas.microsoft.com/office/drawing/2014/main" id="{51BA8E37-C830-4250-80F8-C12866DB51EE}"/>
+              </a:ext>
+            </a:extLst>
+          </p:cNvPr>
+          <p:cNvSpPr txBox="1"/>
+          <p:nvPr/>
+        </p:nvSpPr>
+        <p:spPr>
+          <a:xfrm>
+            <a:off x="7806996" y="2694592"/>
+            <a:ext cx="1660058" cy="369332"/>
+          </a:xfrm>
+          <a:prstGeom prst="rect">
+            <a:avLst/>
+          </a:prstGeom>
+          <a:noFill/>
+        </p:spPr>
+        <p:txBody>
+          <a:bodyPr wrap="square" rtlCol="0">
+            <a:spAutoFit/>
+          </a:bodyPr>
+          <a:lstStyle/>
+          <a:p>
+            <a:r>
+              <a:rPr lang="en-US" dirty="0"/>
+              <a:t>Quantized </a:t>
+            </a:r>
+          </a:p>
+        </p:txBody>
+      </p:sp>
+      <p:sp>
+        <p:nvSpPr>
+          <p:cNvPr id="11" name="TextBox 10">
+            <a:extLst>
+              <a:ext uri="{FF2B5EF4-FFF2-40B4-BE49-F238E27FC236}">
+                <a16:creationId xmlns:a16="http://schemas.microsoft.com/office/drawing/2014/main" id="{C6D0C23F-E1B2-444B-8442-7E6460389C05}"/>
+              </a:ext>
+            </a:extLst>
+          </p:cNvPr>
+          <p:cNvSpPr txBox="1"/>
+          <p:nvPr/>
+        </p:nvSpPr>
+        <p:spPr>
+          <a:xfrm>
+            <a:off x="3490280" y="363446"/>
+            <a:ext cx="5211439" cy="400110"/>
+          </a:xfrm>
+          <a:prstGeom prst="rect">
+            <a:avLst/>
+          </a:prstGeom>
+          <a:noFill/>
+        </p:spPr>
+        <p:txBody>
+          <a:bodyPr wrap="square" rtlCol="0">
+            <a:spAutoFit/>
+          </a:bodyPr>
+          <a:lstStyle/>
+          <a:p>
+            <a:pPr algn="ctr"/>
+            <a:r>
+              <a:rPr lang="en-US" sz="2000" b="1" dirty="0"/>
+              <a:t>Minimum 6 by 6 ring resonators</a:t>
+            </a:r>
+          </a:p>
+        </p:txBody>
+      </p:sp>
+    </p:spTree>
+    <p:extLst>
+      <p:ext uri="{BB962C8B-B14F-4D97-AF65-F5344CB8AC3E}">
+        <p14:creationId xmlns:p14="http://schemas.microsoft.com/office/powerpoint/2010/main" val="3354707994"/>
+      </p:ext>
+    </p:extLst>
+  </p:cSld>
+  <p:clrMapOvr>
+    <a:masterClrMapping/>
+  </p:clrMapOvr>
+</p:sld>
+</file>
+
+<file path=ppt/slides/slide8.xml><?xml version="1.0" encoding="utf-8"?>
+<p:sld xmlns:a="http://schemas.openxmlformats.org/drawingml/2006/main" xmlns:r="http://schemas.openxmlformats.org/officeDocument/2006/relationships" xmlns:p="http://schemas.openxmlformats.org/presentationml/2006/main">
+  <p:cSld>
+    <p:spTree>
+      <p:nvGrpSpPr>
+        <p:cNvPr id="1" name=""/>
+        <p:cNvGrpSpPr/>
+        <p:nvPr/>
+      </p:nvGrpSpPr>
+      <p:grpSpPr>
+        <a:xfrm>
+          <a:off x="0" y="0"/>
+          <a:ext cx="0" cy="0"/>
+          <a:chOff x="0" y="0"/>
+          <a:chExt cx="0" cy="0"/>
+        </a:xfrm>
+      </p:grpSpPr>
+      <p:sp>
+        <p:nvSpPr>
+          <p:cNvPr id="7" name="Arrow: Right 6">
+            <a:extLst>
+              <a:ext uri="{FF2B5EF4-FFF2-40B4-BE49-F238E27FC236}">
+                <a16:creationId xmlns:a16="http://schemas.microsoft.com/office/drawing/2014/main" id="{3B2604A0-DE76-4B8F-B5B2-D7346FEF3DCC}"/>
+              </a:ext>
+            </a:extLst>
+          </p:cNvPr>
+          <p:cNvSpPr/>
+          <p:nvPr/>
+        </p:nvSpPr>
+        <p:spPr>
+          <a:xfrm>
+            <a:off x="3474720" y="3037840"/>
+            <a:ext cx="1313927" cy="467360"/>
+          </a:xfrm>
+          <a:prstGeom prst="rightArrow">
+            <a:avLst/>
+          </a:prstGeom>
+        </p:spPr>
+        <p:style>
+          <a:lnRef idx="2">
+            <a:schemeClr val="accent1">
+              <a:shade val="50000"/>
+            </a:schemeClr>
+          </a:lnRef>
+          <a:fillRef idx="1">
+            <a:schemeClr val="accent1"/>
+          </a:fillRef>
+          <a:effectRef idx="0">
+            <a:schemeClr val="accent1"/>
+          </a:effectRef>
+          <a:fontRef idx="minor">
+            <a:schemeClr val="lt1"/>
+          </a:fontRef>
+        </p:style>
+        <p:txBody>
+          <a:bodyPr rtlCol="0" anchor="ctr"/>
+          <a:lstStyle/>
+          <a:p>
+            <a:pPr algn="ctr"/>
+            <a:endParaRPr lang="en-US"/>
+          </a:p>
+        </p:txBody>
+      </p:sp>
+      <p:sp>
+        <p:nvSpPr>
+          <p:cNvPr id="8" name="Arrow: Right 7">
+            <a:extLst>
+              <a:ext uri="{FF2B5EF4-FFF2-40B4-BE49-F238E27FC236}">
+                <a16:creationId xmlns:a16="http://schemas.microsoft.com/office/drawing/2014/main" id="{2583EE5D-94DC-4116-AFE4-4D89085C98AD}"/>
+              </a:ext>
+            </a:extLst>
+          </p:cNvPr>
+          <p:cNvSpPr/>
+          <p:nvPr/>
+        </p:nvSpPr>
+        <p:spPr>
+          <a:xfrm>
+            <a:off x="7937265" y="3037840"/>
+            <a:ext cx="1313927" cy="467360"/>
+          </a:xfrm>
+          <a:prstGeom prst="rightArrow">
+            <a:avLst/>
+          </a:prstGeom>
+        </p:spPr>
+        <p:style>
+          <a:lnRef idx="2">
+            <a:schemeClr val="accent1">
+              <a:shade val="50000"/>
+            </a:schemeClr>
+          </a:lnRef>
+          <a:fillRef idx="1">
+            <a:schemeClr val="accent1"/>
+          </a:fillRef>
+          <a:effectRef idx="0">
+            <a:schemeClr val="accent1"/>
+          </a:effectRef>
+          <a:fontRef idx="minor">
+            <a:schemeClr val="lt1"/>
+          </a:fontRef>
+        </p:style>
+        <p:txBody>
+          <a:bodyPr rtlCol="0" anchor="ctr"/>
+          <a:lstStyle/>
+          <a:p>
+            <a:pPr algn="ctr"/>
+            <a:endParaRPr lang="en-US"/>
+          </a:p>
+        </p:txBody>
+      </p:sp>
+      <p:sp>
+        <p:nvSpPr>
+          <p:cNvPr id="9" name="TextBox 8">
+            <a:extLst>
+              <a:ext uri="{FF2B5EF4-FFF2-40B4-BE49-F238E27FC236}">
+                <a16:creationId xmlns:a16="http://schemas.microsoft.com/office/drawing/2014/main" id="{95D4D7E5-5A93-46F5-84F5-6D6AA75BAB60}"/>
+              </a:ext>
+            </a:extLst>
+          </p:cNvPr>
+          <p:cNvSpPr txBox="1"/>
+          <p:nvPr/>
+        </p:nvSpPr>
+        <p:spPr>
+          <a:xfrm>
+            <a:off x="3351137" y="2668508"/>
+            <a:ext cx="1660058" cy="369332"/>
+          </a:xfrm>
+          <a:prstGeom prst="rect">
+            <a:avLst/>
+          </a:prstGeom>
+          <a:noFill/>
+        </p:spPr>
+        <p:txBody>
+          <a:bodyPr wrap="square" rtlCol="0">
+            <a:spAutoFit/>
+          </a:bodyPr>
+          <a:lstStyle/>
+          <a:p>
+            <a:r>
+              <a:rPr lang="en-US" dirty="0"/>
+              <a:t>Inverse design</a:t>
+            </a:r>
+          </a:p>
+        </p:txBody>
+      </p:sp>
+      <p:sp>
+        <p:nvSpPr>
+          <p:cNvPr id="10" name="TextBox 9">
+            <a:extLst>
+              <a:ext uri="{FF2B5EF4-FFF2-40B4-BE49-F238E27FC236}">
+                <a16:creationId xmlns:a16="http://schemas.microsoft.com/office/drawing/2014/main" id="{51BA8E37-C830-4250-80F8-C12866DB51EE}"/>
+              </a:ext>
+            </a:extLst>
+          </p:cNvPr>
+          <p:cNvSpPr txBox="1"/>
+          <p:nvPr/>
+        </p:nvSpPr>
+        <p:spPr>
+          <a:xfrm>
+            <a:off x="7806996" y="2694592"/>
+            <a:ext cx="1660058" cy="369332"/>
+          </a:xfrm>
+          <a:prstGeom prst="rect">
+            <a:avLst/>
+          </a:prstGeom>
+          <a:noFill/>
+        </p:spPr>
+        <p:txBody>
+          <a:bodyPr wrap="square" rtlCol="0">
+            <a:spAutoFit/>
+          </a:bodyPr>
+          <a:lstStyle/>
+          <a:p>
+            <a:r>
+              <a:rPr lang="en-US" dirty="0"/>
+              <a:t>Quantized </a:t>
+            </a:r>
+          </a:p>
+        </p:txBody>
+      </p:sp>
+      <p:sp>
+        <p:nvSpPr>
+          <p:cNvPr id="11" name="TextBox 10">
+            <a:extLst>
+              <a:ext uri="{FF2B5EF4-FFF2-40B4-BE49-F238E27FC236}">
+                <a16:creationId xmlns:a16="http://schemas.microsoft.com/office/drawing/2014/main" id="{C6D0C23F-E1B2-444B-8442-7E6460389C05}"/>
+              </a:ext>
+            </a:extLst>
+          </p:cNvPr>
+          <p:cNvSpPr txBox="1"/>
+          <p:nvPr/>
+        </p:nvSpPr>
+        <p:spPr>
+          <a:xfrm>
+            <a:off x="3490280" y="363446"/>
+            <a:ext cx="5211439" cy="400110"/>
+          </a:xfrm>
+          <a:prstGeom prst="rect">
+            <a:avLst/>
+          </a:prstGeom>
+          <a:noFill/>
+        </p:spPr>
+        <p:txBody>
+          <a:bodyPr wrap="square" rtlCol="0">
+            <a:spAutoFit/>
+          </a:bodyPr>
+          <a:lstStyle/>
+          <a:p>
+            <a:pPr algn="ctr"/>
+            <a:r>
+              <a:rPr lang="en-US" sz="2000" b="1"/>
+              <a:t>Minimum 5 by 5 </a:t>
+            </a:r>
+            <a:r>
+              <a:rPr lang="en-US" sz="2000" b="1" dirty="0"/>
+              <a:t>ring resonators</a:t>
+            </a:r>
+          </a:p>
+        </p:txBody>
+      </p:sp>
+      <p:pic>
+        <p:nvPicPr>
+          <p:cNvPr id="12" name="Picture 11">
+            <a:extLst>
+              <a:ext uri="{FF2B5EF4-FFF2-40B4-BE49-F238E27FC236}">
+                <a16:creationId xmlns:a16="http://schemas.microsoft.com/office/drawing/2014/main" id="{FE058F41-8537-40AD-AB24-FF39E24453E1}"/>
+              </a:ext>
+            </a:extLst>
+          </p:cNvPr>
+          <p:cNvPicPr>
+            <a:picLocks noChangeAspect="1"/>
+          </p:cNvPicPr>
+          <p:nvPr/>
+        </p:nvPicPr>
+        <p:blipFill>
+          <a:blip r:embed="rId2"/>
+          <a:stretch>
+            <a:fillRect/>
+          </a:stretch>
+        </p:blipFill>
+        <p:spPr>
+          <a:xfrm>
+            <a:off x="349793" y="2292700"/>
+            <a:ext cx="2818650" cy="2425000"/>
+          </a:xfrm>
+          <a:prstGeom prst="rect">
+            <a:avLst/>
+          </a:prstGeom>
+        </p:spPr>
+      </p:pic>
+      <p:pic>
+        <p:nvPicPr>
+          <p:cNvPr id="13" name="Picture 12">
+            <a:extLst>
+              <a:ext uri="{FF2B5EF4-FFF2-40B4-BE49-F238E27FC236}">
+                <a16:creationId xmlns:a16="http://schemas.microsoft.com/office/drawing/2014/main" id="{DCD757EA-4A19-4841-BEFC-456C4EFD2B11}"/>
+              </a:ext>
+            </a:extLst>
+          </p:cNvPr>
+          <p:cNvPicPr>
+            <a:picLocks noChangeAspect="1"/>
+          </p:cNvPicPr>
+          <p:nvPr/>
+        </p:nvPicPr>
+        <p:blipFill>
+          <a:blip r:embed="rId3"/>
+          <a:stretch>
+            <a:fillRect/>
+          </a:stretch>
+        </p:blipFill>
+        <p:spPr>
+          <a:xfrm>
+            <a:off x="4902753" y="2292700"/>
+            <a:ext cx="2818650" cy="2425000"/>
+          </a:xfrm>
+          <a:prstGeom prst="rect">
+            <a:avLst/>
+          </a:prstGeom>
+        </p:spPr>
+      </p:pic>
+      <p:pic>
+        <p:nvPicPr>
+          <p:cNvPr id="14" name="Picture 13">
+            <a:extLst>
+              <a:ext uri="{FF2B5EF4-FFF2-40B4-BE49-F238E27FC236}">
+                <a16:creationId xmlns:a16="http://schemas.microsoft.com/office/drawing/2014/main" id="{1A22711F-DC05-4E77-AA25-F12FE7EFF621}"/>
+              </a:ext>
+            </a:extLst>
+          </p:cNvPr>
+          <p:cNvPicPr>
+            <a:picLocks noChangeAspect="1"/>
+          </p:cNvPicPr>
+          <p:nvPr/>
+        </p:nvPicPr>
+        <p:blipFill>
+          <a:blip r:embed="rId4"/>
+          <a:stretch>
+            <a:fillRect/>
+          </a:stretch>
+        </p:blipFill>
+        <p:spPr>
+          <a:xfrm>
+            <a:off x="9373350" y="2222966"/>
+            <a:ext cx="2818650" cy="2412067"/>
+          </a:xfrm>
+          <a:prstGeom prst="rect">
+            <a:avLst/>
+          </a:prstGeom>
+        </p:spPr>
+      </p:pic>
+    </p:spTree>
+    <p:extLst>
+      <p:ext uri="{BB962C8B-B14F-4D97-AF65-F5344CB8AC3E}">
+        <p14:creationId xmlns:p14="http://schemas.microsoft.com/office/powerpoint/2010/main" val="3717175164"/>
+      </p:ext>
+    </p:extLst>
+  </p:cSld>
+  <p:clrMapOvr>
+    <a:masterClrMapping/>
+  </p:clrMapOvr>
+</p:sld>
+</file>
+
+<file path=ppt/slides/slide9.xml><?xml version="1.0" encoding="utf-8"?>
 <p:sld xmlns:a="http://schemas.openxmlformats.org/drawingml/2006/main" xmlns:r="http://schemas.openxmlformats.org/officeDocument/2006/relationships" xmlns:p="http://schemas.openxmlformats.org/presentationml/2006/main">
   <p:cSld>
     <p:spTree>
